--- a/世界一簡単なgithub入門.pptx
+++ b/世界一簡単なgithub入門.pptx
@@ -23648,7 +23648,7 @@
           <a:p>
             <a:r>
               <a:rPr kumimoji="1" lang="ja-JP" altLang="en-US" dirty="0" smtClean="0"/>
-              <a:t>作業</a:t>
+              <a:t>作業（１）</a:t>
             </a:r>
             <a:endParaRPr kumimoji="1" lang="ja-JP" altLang="en-US" dirty="0"/>
           </a:p>

--- a/世界一簡単なgithub入門.pptx
+++ b/世界一簡単なgithub入門.pptx
@@ -5,7 +5,7 @@
     <p:sldMasterId id="2147483900" r:id="rId1"/>
   </p:sldMasterIdLst>
   <p:notesMasterIdLst>
-    <p:notesMasterId r:id="rId27"/>
+    <p:notesMasterId r:id="rId30"/>
   </p:notesMasterIdLst>
   <p:sldIdLst>
     <p:sldId id="257" r:id="rId2"/>
@@ -31,8 +31,11 @@
     <p:sldId id="295" r:id="rId22"/>
     <p:sldId id="296" r:id="rId23"/>
     <p:sldId id="297" r:id="rId24"/>
-    <p:sldId id="298" r:id="rId25"/>
-    <p:sldId id="268" r:id="rId26"/>
+    <p:sldId id="300" r:id="rId25"/>
+    <p:sldId id="301" r:id="rId26"/>
+    <p:sldId id="302" r:id="rId27"/>
+    <p:sldId id="303" r:id="rId28"/>
+    <p:sldId id="268" r:id="rId29"/>
   </p:sldIdLst>
   <p:sldSz cx="9144000" cy="6858000" type="screen4x3"/>
   <p:notesSz cx="6858000" cy="9144000"/>
@@ -700,7 +703,7 @@
                 </a:solidFill>
               </a:rPr>
               <a:pPr/>
-              <a:t>25</a:t>
+              <a:t>28</a:t>
             </a:fld>
             <a:endParaRPr lang="ja-JP" altLang="en-US" dirty="0">
               <a:solidFill>
@@ -24149,7 +24152,7 @@
     </p:spTree>
     <p:extLst>
       <p:ext uri="{BB962C8B-B14F-4D97-AF65-F5344CB8AC3E}">
-        <p14:creationId xmlns:p14="http://schemas.microsoft.com/office/powerpoint/2010/main" val="905392440"/>
+        <p14:creationId xmlns:p14="http://schemas.microsoft.com/office/powerpoint/2010/main" val="2548678555"/>
       </p:ext>
     </p:extLst>
   </p:cSld>
@@ -24167,6 +24170,186 @@
 </file>
 
 <file path=ppt/slides/slide25.xml><?xml version="1.0" encoding="utf-8"?>
+<p:sld xmlns:a="http://schemas.openxmlformats.org/drawingml/2006/main" xmlns:r="http://schemas.openxmlformats.org/officeDocument/2006/relationships" xmlns:p="http://schemas.openxmlformats.org/presentationml/2006/main">
+  <p:cSld>
+    <p:spTree>
+      <p:nvGrpSpPr>
+        <p:cNvPr id="1" name=""/>
+        <p:cNvGrpSpPr/>
+        <p:nvPr/>
+      </p:nvGrpSpPr>
+      <p:grpSpPr>
+        <a:xfrm>
+          <a:off x="0" y="0"/>
+          <a:ext cx="0" cy="0"/>
+          <a:chOff x="0" y="0"/>
+          <a:chExt cx="0" cy="0"/>
+        </a:xfrm>
+      </p:grpSpPr>
+      <p:sp>
+        <p:nvSpPr>
+          <p:cNvPr id="3" name="タイトル 2"/>
+          <p:cNvSpPr>
+            <a:spLocks noGrp="1"/>
+          </p:cNvSpPr>
+          <p:nvPr>
+            <p:ph type="title"/>
+          </p:nvPr>
+        </p:nvSpPr>
+        <p:spPr/>
+        <p:txBody>
+          <a:bodyPr/>
+          <a:lstStyle/>
+          <a:p>
+            <a:r>
+              <a:rPr kumimoji="1" lang="ja-JP" altLang="en-US" dirty="0" smtClean="0"/>
+              <a:t>インストール</a:t>
+            </a:r>
+            <a:endParaRPr kumimoji="1" lang="ja-JP" altLang="en-US" dirty="0"/>
+          </a:p>
+        </p:txBody>
+      </p:sp>
+    </p:spTree>
+    <p:extLst>
+      <p:ext uri="{BB962C8B-B14F-4D97-AF65-F5344CB8AC3E}">
+        <p14:creationId xmlns:p14="http://schemas.microsoft.com/office/powerpoint/2010/main" val="2548678555"/>
+      </p:ext>
+    </p:extLst>
+  </p:cSld>
+  <p:clrMapOvr>
+    <a:masterClrMapping/>
+  </p:clrMapOvr>
+  <p:timing>
+    <p:tnLst>
+      <p:par>
+        <p:cTn id="1" dur="indefinite" restart="never" nodeType="tmRoot"/>
+      </p:par>
+    </p:tnLst>
+  </p:timing>
+</p:sld>
+</file>
+
+<file path=ppt/slides/slide26.xml><?xml version="1.0" encoding="utf-8"?>
+<p:sld xmlns:a="http://schemas.openxmlformats.org/drawingml/2006/main" xmlns:r="http://schemas.openxmlformats.org/officeDocument/2006/relationships" xmlns:p="http://schemas.openxmlformats.org/presentationml/2006/main">
+  <p:cSld>
+    <p:spTree>
+      <p:nvGrpSpPr>
+        <p:cNvPr id="1" name=""/>
+        <p:cNvGrpSpPr/>
+        <p:nvPr/>
+      </p:nvGrpSpPr>
+      <p:grpSpPr>
+        <a:xfrm>
+          <a:off x="0" y="0"/>
+          <a:ext cx="0" cy="0"/>
+          <a:chOff x="0" y="0"/>
+          <a:chExt cx="0" cy="0"/>
+        </a:xfrm>
+      </p:grpSpPr>
+      <p:sp>
+        <p:nvSpPr>
+          <p:cNvPr id="3" name="タイトル 2"/>
+          <p:cNvSpPr>
+            <a:spLocks noGrp="1"/>
+          </p:cNvSpPr>
+          <p:nvPr>
+            <p:ph type="title"/>
+          </p:nvPr>
+        </p:nvSpPr>
+        <p:spPr/>
+        <p:txBody>
+          <a:bodyPr/>
+          <a:lstStyle/>
+          <a:p>
+            <a:r>
+              <a:rPr kumimoji="1" lang="ja-JP" altLang="en-US" dirty="0" smtClean="0"/>
+              <a:t>インストール</a:t>
+            </a:r>
+            <a:endParaRPr kumimoji="1" lang="ja-JP" altLang="en-US" dirty="0"/>
+          </a:p>
+        </p:txBody>
+      </p:sp>
+    </p:spTree>
+    <p:extLst>
+      <p:ext uri="{BB962C8B-B14F-4D97-AF65-F5344CB8AC3E}">
+        <p14:creationId xmlns:p14="http://schemas.microsoft.com/office/powerpoint/2010/main" val="2548678555"/>
+      </p:ext>
+    </p:extLst>
+  </p:cSld>
+  <p:clrMapOvr>
+    <a:masterClrMapping/>
+  </p:clrMapOvr>
+  <p:timing>
+    <p:tnLst>
+      <p:par>
+        <p:cTn id="1" dur="indefinite" restart="never" nodeType="tmRoot"/>
+      </p:par>
+    </p:tnLst>
+  </p:timing>
+</p:sld>
+</file>
+
+<file path=ppt/slides/slide27.xml><?xml version="1.0" encoding="utf-8"?>
+<p:sld xmlns:a="http://schemas.openxmlformats.org/drawingml/2006/main" xmlns:r="http://schemas.openxmlformats.org/officeDocument/2006/relationships" xmlns:p="http://schemas.openxmlformats.org/presentationml/2006/main">
+  <p:cSld>
+    <p:spTree>
+      <p:nvGrpSpPr>
+        <p:cNvPr id="1" name=""/>
+        <p:cNvGrpSpPr/>
+        <p:nvPr/>
+      </p:nvGrpSpPr>
+      <p:grpSpPr>
+        <a:xfrm>
+          <a:off x="0" y="0"/>
+          <a:ext cx="0" cy="0"/>
+          <a:chOff x="0" y="0"/>
+          <a:chExt cx="0" cy="0"/>
+        </a:xfrm>
+      </p:grpSpPr>
+      <p:sp>
+        <p:nvSpPr>
+          <p:cNvPr id="3" name="タイトル 2"/>
+          <p:cNvSpPr>
+            <a:spLocks noGrp="1"/>
+          </p:cNvSpPr>
+          <p:nvPr>
+            <p:ph type="title"/>
+          </p:nvPr>
+        </p:nvSpPr>
+        <p:spPr/>
+        <p:txBody>
+          <a:bodyPr/>
+          <a:lstStyle/>
+          <a:p>
+            <a:r>
+              <a:rPr kumimoji="1" lang="ja-JP" altLang="en-US" dirty="0" smtClean="0"/>
+              <a:t>インストール</a:t>
+            </a:r>
+            <a:endParaRPr kumimoji="1" lang="ja-JP" altLang="en-US" dirty="0"/>
+          </a:p>
+        </p:txBody>
+      </p:sp>
+    </p:spTree>
+    <p:extLst>
+      <p:ext uri="{BB962C8B-B14F-4D97-AF65-F5344CB8AC3E}">
+        <p14:creationId xmlns:p14="http://schemas.microsoft.com/office/powerpoint/2010/main" val="2548678555"/>
+      </p:ext>
+    </p:extLst>
+  </p:cSld>
+  <p:clrMapOvr>
+    <a:masterClrMapping/>
+  </p:clrMapOvr>
+  <p:timing>
+    <p:tnLst>
+      <p:par>
+        <p:cTn id="1" dur="indefinite" restart="never" nodeType="tmRoot"/>
+      </p:par>
+    </p:tnLst>
+  </p:timing>
+</p:sld>
+</file>
+
+<file path=ppt/slides/slide28.xml><?xml version="1.0" encoding="utf-8"?>
 <p:sld xmlns:a="http://schemas.openxmlformats.org/drawingml/2006/main" xmlns:r="http://schemas.openxmlformats.org/officeDocument/2006/relationships" xmlns:p="http://schemas.openxmlformats.org/presentationml/2006/main">
   <p:cSld>
     <p:spTree>

--- a/世界一簡単なgithub入門.pptx
+++ b/世界一簡単なgithub入門.pptx
@@ -5,7 +5,7 @@
     <p:sldMasterId id="2147483900" r:id="rId1"/>
   </p:sldMasterIdLst>
   <p:notesMasterIdLst>
-    <p:notesMasterId r:id="rId30"/>
+    <p:notesMasterId r:id="rId27"/>
   </p:notesMasterIdLst>
   <p:sldIdLst>
     <p:sldId id="257" r:id="rId2"/>
@@ -32,10 +32,7 @@
     <p:sldId id="296" r:id="rId23"/>
     <p:sldId id="297" r:id="rId24"/>
     <p:sldId id="300" r:id="rId25"/>
-    <p:sldId id="301" r:id="rId26"/>
-    <p:sldId id="302" r:id="rId27"/>
-    <p:sldId id="303" r:id="rId28"/>
-    <p:sldId id="268" r:id="rId29"/>
+    <p:sldId id="268" r:id="rId26"/>
   </p:sldIdLst>
   <p:sldSz cx="9144000" cy="6858000" type="screen4x3"/>
   <p:notesSz cx="6858000" cy="9144000"/>
@@ -703,7 +700,7 @@
                 </a:solidFill>
               </a:rPr>
               <a:pPr/>
-              <a:t>28</a:t>
+              <a:t>25</a:t>
             </a:fld>
             <a:endParaRPr lang="ja-JP" altLang="en-US" dirty="0">
               <a:solidFill>
@@ -24188,186 +24185,6 @@
       </p:grpSpPr>
       <p:sp>
         <p:nvSpPr>
-          <p:cNvPr id="3" name="タイトル 2"/>
-          <p:cNvSpPr>
-            <a:spLocks noGrp="1"/>
-          </p:cNvSpPr>
-          <p:nvPr>
-            <p:ph type="title"/>
-          </p:nvPr>
-        </p:nvSpPr>
-        <p:spPr/>
-        <p:txBody>
-          <a:bodyPr/>
-          <a:lstStyle/>
-          <a:p>
-            <a:r>
-              <a:rPr kumimoji="1" lang="ja-JP" altLang="en-US" dirty="0" smtClean="0"/>
-              <a:t>インストール</a:t>
-            </a:r>
-            <a:endParaRPr kumimoji="1" lang="ja-JP" altLang="en-US" dirty="0"/>
-          </a:p>
-        </p:txBody>
-      </p:sp>
-    </p:spTree>
-    <p:extLst>
-      <p:ext uri="{BB962C8B-B14F-4D97-AF65-F5344CB8AC3E}">
-        <p14:creationId xmlns:p14="http://schemas.microsoft.com/office/powerpoint/2010/main" val="2548678555"/>
-      </p:ext>
-    </p:extLst>
-  </p:cSld>
-  <p:clrMapOvr>
-    <a:masterClrMapping/>
-  </p:clrMapOvr>
-  <p:timing>
-    <p:tnLst>
-      <p:par>
-        <p:cTn id="1" dur="indefinite" restart="never" nodeType="tmRoot"/>
-      </p:par>
-    </p:tnLst>
-  </p:timing>
-</p:sld>
-</file>
-
-<file path=ppt/slides/slide26.xml><?xml version="1.0" encoding="utf-8"?>
-<p:sld xmlns:a="http://schemas.openxmlformats.org/drawingml/2006/main" xmlns:r="http://schemas.openxmlformats.org/officeDocument/2006/relationships" xmlns:p="http://schemas.openxmlformats.org/presentationml/2006/main">
-  <p:cSld>
-    <p:spTree>
-      <p:nvGrpSpPr>
-        <p:cNvPr id="1" name=""/>
-        <p:cNvGrpSpPr/>
-        <p:nvPr/>
-      </p:nvGrpSpPr>
-      <p:grpSpPr>
-        <a:xfrm>
-          <a:off x="0" y="0"/>
-          <a:ext cx="0" cy="0"/>
-          <a:chOff x="0" y="0"/>
-          <a:chExt cx="0" cy="0"/>
-        </a:xfrm>
-      </p:grpSpPr>
-      <p:sp>
-        <p:nvSpPr>
-          <p:cNvPr id="3" name="タイトル 2"/>
-          <p:cNvSpPr>
-            <a:spLocks noGrp="1"/>
-          </p:cNvSpPr>
-          <p:nvPr>
-            <p:ph type="title"/>
-          </p:nvPr>
-        </p:nvSpPr>
-        <p:spPr/>
-        <p:txBody>
-          <a:bodyPr/>
-          <a:lstStyle/>
-          <a:p>
-            <a:r>
-              <a:rPr kumimoji="1" lang="ja-JP" altLang="en-US" dirty="0" smtClean="0"/>
-              <a:t>インストール</a:t>
-            </a:r>
-            <a:endParaRPr kumimoji="1" lang="ja-JP" altLang="en-US" dirty="0"/>
-          </a:p>
-        </p:txBody>
-      </p:sp>
-    </p:spTree>
-    <p:extLst>
-      <p:ext uri="{BB962C8B-B14F-4D97-AF65-F5344CB8AC3E}">
-        <p14:creationId xmlns:p14="http://schemas.microsoft.com/office/powerpoint/2010/main" val="2548678555"/>
-      </p:ext>
-    </p:extLst>
-  </p:cSld>
-  <p:clrMapOvr>
-    <a:masterClrMapping/>
-  </p:clrMapOvr>
-  <p:timing>
-    <p:tnLst>
-      <p:par>
-        <p:cTn id="1" dur="indefinite" restart="never" nodeType="tmRoot"/>
-      </p:par>
-    </p:tnLst>
-  </p:timing>
-</p:sld>
-</file>
-
-<file path=ppt/slides/slide27.xml><?xml version="1.0" encoding="utf-8"?>
-<p:sld xmlns:a="http://schemas.openxmlformats.org/drawingml/2006/main" xmlns:r="http://schemas.openxmlformats.org/officeDocument/2006/relationships" xmlns:p="http://schemas.openxmlformats.org/presentationml/2006/main">
-  <p:cSld>
-    <p:spTree>
-      <p:nvGrpSpPr>
-        <p:cNvPr id="1" name=""/>
-        <p:cNvGrpSpPr/>
-        <p:nvPr/>
-      </p:nvGrpSpPr>
-      <p:grpSpPr>
-        <a:xfrm>
-          <a:off x="0" y="0"/>
-          <a:ext cx="0" cy="0"/>
-          <a:chOff x="0" y="0"/>
-          <a:chExt cx="0" cy="0"/>
-        </a:xfrm>
-      </p:grpSpPr>
-      <p:sp>
-        <p:nvSpPr>
-          <p:cNvPr id="3" name="タイトル 2"/>
-          <p:cNvSpPr>
-            <a:spLocks noGrp="1"/>
-          </p:cNvSpPr>
-          <p:nvPr>
-            <p:ph type="title"/>
-          </p:nvPr>
-        </p:nvSpPr>
-        <p:spPr/>
-        <p:txBody>
-          <a:bodyPr/>
-          <a:lstStyle/>
-          <a:p>
-            <a:r>
-              <a:rPr kumimoji="1" lang="ja-JP" altLang="en-US" dirty="0" smtClean="0"/>
-              <a:t>インストール</a:t>
-            </a:r>
-            <a:endParaRPr kumimoji="1" lang="ja-JP" altLang="en-US" dirty="0"/>
-          </a:p>
-        </p:txBody>
-      </p:sp>
-    </p:spTree>
-    <p:extLst>
-      <p:ext uri="{BB962C8B-B14F-4D97-AF65-F5344CB8AC3E}">
-        <p14:creationId xmlns:p14="http://schemas.microsoft.com/office/powerpoint/2010/main" val="2548678555"/>
-      </p:ext>
-    </p:extLst>
-  </p:cSld>
-  <p:clrMapOvr>
-    <a:masterClrMapping/>
-  </p:clrMapOvr>
-  <p:timing>
-    <p:tnLst>
-      <p:par>
-        <p:cTn id="1" dur="indefinite" restart="never" nodeType="tmRoot"/>
-      </p:par>
-    </p:tnLst>
-  </p:timing>
-</p:sld>
-</file>
-
-<file path=ppt/slides/slide28.xml><?xml version="1.0" encoding="utf-8"?>
-<p:sld xmlns:a="http://schemas.openxmlformats.org/drawingml/2006/main" xmlns:r="http://schemas.openxmlformats.org/officeDocument/2006/relationships" xmlns:p="http://schemas.openxmlformats.org/presentationml/2006/main">
-  <p:cSld>
-    <p:spTree>
-      <p:nvGrpSpPr>
-        <p:cNvPr id="1" name=""/>
-        <p:cNvGrpSpPr/>
-        <p:nvPr/>
-      </p:nvGrpSpPr>
-      <p:grpSpPr>
-        <a:xfrm>
-          <a:off x="0" y="0"/>
-          <a:ext cx="0" cy="0"/>
-          <a:chOff x="0" y="0"/>
-          <a:chExt cx="0" cy="0"/>
-        </a:xfrm>
-      </p:grpSpPr>
-      <p:sp>
-        <p:nvSpPr>
           <p:cNvPr id="5123" name="Rectangle 3"/>
           <p:cNvSpPr>
             <a:spLocks noGrp="1" noChangeArrowheads="1"/>
